--- a/doc/技术交流/2017-09-01/技术交流-2017-09-01.pptx
+++ b/doc/技术交流/2017-09-01/技术交流-2017-09-01.pptx
@@ -5,7 +5,7 @@
     <p:sldMasterId id="2147483660" r:id="rId2"/>
   </p:sldMasterIdLst>
   <p:notesMasterIdLst>
-    <p:notesMasterId r:id="rId15"/>
+    <p:notesMasterId r:id="rId16"/>
   </p:notesMasterIdLst>
   <p:sldIdLst>
     <p:sldId id="256" r:id="rId3"/>
@@ -20,6 +20,7 @@
     <p:sldId id="265" r:id="rId12"/>
     <p:sldId id="266" r:id="rId13"/>
     <p:sldId id="267" r:id="rId14"/>
+    <p:sldId id="268" r:id="rId15"/>
   </p:sldIdLst>
   <p:sldSz cx="12192000" cy="6858000"/>
   <p:notesSz cx="6858000" cy="9144000"/>
@@ -139,6 +140,7 @@
             <p14:sldId id="265"/>
             <p14:sldId id="266"/>
             <p14:sldId id="267"/>
+            <p14:sldId id="268"/>
           </p14:sldIdLst>
         </p14:section>
         <p14:section name="了解更多" id="{2CC34DB2-6590-42C0-AD4B-A04C6060184E}">
@@ -5269,6 +5271,235 @@
       </p:par>
     </p:tnLst>
   </p:timing>
+</p:sld>
+</file>
+
+<file path=ppt/slides/slide13.xml><?xml version="1.0" encoding="utf-8"?>
+<p:sld xmlns:a="http://schemas.openxmlformats.org/drawingml/2006/main" xmlns:r="http://schemas.openxmlformats.org/officeDocument/2006/relationships" xmlns:p="http://schemas.openxmlformats.org/presentationml/2006/main">
+  <p:cSld>
+    <p:spTree>
+      <p:nvGrpSpPr>
+        <p:cNvPr id="1" name=""/>
+        <p:cNvGrpSpPr/>
+        <p:nvPr/>
+      </p:nvGrpSpPr>
+      <p:grpSpPr>
+        <a:xfrm>
+          <a:off x="0" y="0"/>
+          <a:ext cx="0" cy="0"/>
+          <a:chOff x="0" y="0"/>
+          <a:chExt cx="0" cy="0"/>
+        </a:xfrm>
+      </p:grpSpPr>
+      <p:sp>
+        <p:nvSpPr>
+          <p:cNvPr id="2" name="标题 1"/>
+          <p:cNvSpPr>
+            <a:spLocks noGrp="1"/>
+          </p:cNvSpPr>
+          <p:nvPr>
+            <p:ph type="title"/>
+          </p:nvPr>
+        </p:nvSpPr>
+        <p:spPr/>
+        <p:txBody>
+          <a:bodyPr/>
+          <a:lstStyle/>
+          <a:p>
+            <a:r>
+              <a:rPr lang="zh-CN" altLang="en-US" dirty="0" smtClean="0"/>
+              <a:t>不仅仅为了功能</a:t>
+            </a:r>
+            <a:endParaRPr lang="zh-CN" altLang="en-US" dirty="0"/>
+          </a:p>
+        </p:txBody>
+      </p:sp>
+      <p:pic>
+        <p:nvPicPr>
+          <p:cNvPr id="4" name="图片 3"/>
+          <p:cNvPicPr>
+            <a:picLocks noChangeAspect="1"/>
+          </p:cNvPicPr>
+          <p:nvPr/>
+        </p:nvPicPr>
+        <p:blipFill>
+          <a:blip r:embed="rId2"/>
+          <a:stretch>
+            <a:fillRect/>
+          </a:stretch>
+        </p:blipFill>
+        <p:spPr>
+          <a:xfrm>
+            <a:off x="989559" y="1823642"/>
+            <a:ext cx="7514286" cy="1114286"/>
+          </a:xfrm>
+          <a:prstGeom prst="rect">
+            <a:avLst/>
+          </a:prstGeom>
+        </p:spPr>
+      </p:pic>
+      <p:pic>
+        <p:nvPicPr>
+          <p:cNvPr id="5" name="图片 4"/>
+          <p:cNvPicPr>
+            <a:picLocks noChangeAspect="1"/>
+          </p:cNvPicPr>
+          <p:nvPr/>
+        </p:nvPicPr>
+        <p:blipFill>
+          <a:blip r:embed="rId3"/>
+          <a:stretch>
+            <a:fillRect/>
+          </a:stretch>
+        </p:blipFill>
+        <p:spPr>
+          <a:xfrm>
+            <a:off x="894499" y="3552702"/>
+            <a:ext cx="8685714" cy="3247619"/>
+          </a:xfrm>
+          <a:prstGeom prst="rect">
+            <a:avLst/>
+          </a:prstGeom>
+        </p:spPr>
+      </p:pic>
+      <p:sp>
+        <p:nvSpPr>
+          <p:cNvPr id="6" name="内容占位符 2"/>
+          <p:cNvSpPr>
+            <a:spLocks noGrp="1"/>
+          </p:cNvSpPr>
+          <p:nvPr>
+            <p:ph idx="1"/>
+          </p:nvPr>
+        </p:nvSpPr>
+        <p:spPr>
+          <a:xfrm>
+            <a:off x="6145873" y="2965388"/>
+            <a:ext cx="5207928" cy="504980"/>
+          </a:xfrm>
+        </p:spPr>
+        <p:txBody>
+          <a:bodyPr>
+            <a:normAutofit/>
+          </a:bodyPr>
+          <a:lstStyle/>
+          <a:p>
+            <a:r>
+              <a:rPr lang="zh-CN" altLang="en-US" dirty="0" smtClean="0"/>
+              <a:t>为了保证核心代码的</a:t>
+            </a:r>
+            <a:r>
+              <a:rPr lang="en-US" altLang="zh-CN" dirty="0" smtClean="0"/>
+              <a:t>【</a:t>
+            </a:r>
+            <a:r>
+              <a:rPr lang="zh-CN" altLang="en-US" dirty="0" smtClean="0"/>
+              <a:t>可重入</a:t>
+            </a:r>
+            <a:r>
+              <a:rPr lang="en-US" altLang="zh-CN" dirty="0" smtClean="0"/>
+              <a:t>】</a:t>
+            </a:r>
+            <a:r>
+              <a:rPr lang="zh-CN" altLang="en-US" dirty="0" smtClean="0"/>
+              <a:t>，增加了代码的复杂度</a:t>
+            </a:r>
+            <a:endParaRPr lang="zh-CN" altLang="en-US" dirty="0"/>
+          </a:p>
+        </p:txBody>
+      </p:sp>
+      <p:sp>
+        <p:nvSpPr>
+          <p:cNvPr id="7" name="矩形 6"/>
+          <p:cNvSpPr/>
+          <p:nvPr/>
+        </p:nvSpPr>
+        <p:spPr>
+          <a:xfrm>
+            <a:off x="1854931" y="5061489"/>
+            <a:ext cx="7548376" cy="1298368"/>
+          </a:xfrm>
+          <a:prstGeom prst="rect">
+            <a:avLst/>
+          </a:prstGeom>
+          <a:noFill/>
+        </p:spPr>
+        <p:style>
+          <a:lnRef idx="2">
+            <a:schemeClr val="accent1">
+              <a:shade val="50000"/>
+            </a:schemeClr>
+          </a:lnRef>
+          <a:fillRef idx="1">
+            <a:schemeClr val="accent1"/>
+          </a:fillRef>
+          <a:effectRef idx="0">
+            <a:schemeClr val="accent1"/>
+          </a:effectRef>
+          <a:fontRef idx="minor">
+            <a:schemeClr val="lt1"/>
+          </a:fontRef>
+        </p:style>
+        <p:txBody>
+          <a:bodyPr rtlCol="0" anchor="ctr"/>
+          <a:lstStyle/>
+          <a:p>
+            <a:pPr algn="ctr"/>
+            <a:endParaRPr lang="zh-CN" altLang="en-US"/>
+          </a:p>
+        </p:txBody>
+      </p:sp>
+      <p:sp>
+        <p:nvSpPr>
+          <p:cNvPr id="8" name="矩形 7"/>
+          <p:cNvSpPr/>
+          <p:nvPr/>
+        </p:nvSpPr>
+        <p:spPr>
+          <a:xfrm>
+            <a:off x="1854931" y="4045264"/>
+            <a:ext cx="7548376" cy="401451"/>
+          </a:xfrm>
+          <a:prstGeom prst="rect">
+            <a:avLst/>
+          </a:prstGeom>
+          <a:noFill/>
+        </p:spPr>
+        <p:style>
+          <a:lnRef idx="2">
+            <a:schemeClr val="accent1">
+              <a:shade val="50000"/>
+            </a:schemeClr>
+          </a:lnRef>
+          <a:fillRef idx="1">
+            <a:schemeClr val="accent1"/>
+          </a:fillRef>
+          <a:effectRef idx="0">
+            <a:schemeClr val="accent1"/>
+          </a:effectRef>
+          <a:fontRef idx="minor">
+            <a:schemeClr val="lt1"/>
+          </a:fontRef>
+        </p:style>
+        <p:txBody>
+          <a:bodyPr rtlCol="0" anchor="ctr"/>
+          <a:lstStyle/>
+          <a:p>
+            <a:pPr algn="ctr"/>
+            <a:endParaRPr lang="zh-CN" altLang="en-US"/>
+          </a:p>
+        </p:txBody>
+      </p:sp>
+    </p:spTree>
+    <p:extLst>
+      <p:ext uri="{BB962C8B-B14F-4D97-AF65-F5344CB8AC3E}">
+        <p14:creationId xmlns:p14="http://schemas.microsoft.com/office/powerpoint/2010/main" val="3795356720"/>
+      </p:ext>
+    </p:extLst>
+  </p:cSld>
+  <p:clrMapOvr>
+    <a:masterClrMapping/>
+  </p:clrMapOvr>
 </p:sld>
 </file>
 

--- a/doc/技术交流/2017-09-01/技术交流-2017-09-01.pptx
+++ b/doc/技术交流/2017-09-01/技术交流-2017-09-01.pptx
@@ -5,7 +5,7 @@
     <p:sldMasterId id="2147483660" r:id="rId2"/>
   </p:sldMasterIdLst>
   <p:notesMasterIdLst>
-    <p:notesMasterId r:id="rId16"/>
+    <p:notesMasterId r:id="rId17"/>
   </p:notesMasterIdLst>
   <p:sldIdLst>
     <p:sldId id="256" r:id="rId3"/>
@@ -21,6 +21,7 @@
     <p:sldId id="266" r:id="rId13"/>
     <p:sldId id="267" r:id="rId14"/>
     <p:sldId id="268" r:id="rId15"/>
+    <p:sldId id="269" r:id="rId16"/>
   </p:sldIdLst>
   <p:sldSz cx="12192000" cy="6858000"/>
   <p:notesSz cx="6858000" cy="9144000"/>
@@ -141,6 +142,7 @@
             <p14:sldId id="266"/>
             <p14:sldId id="267"/>
             <p14:sldId id="268"/>
+            <p14:sldId id="269"/>
           </p14:sldIdLst>
         </p14:section>
         <p14:section name="了解更多" id="{2CC34DB2-6590-42C0-AD4B-A04C6060184E}">
@@ -253,7 +255,7 @@
           </a:lstStyle>
           <a:p>
             <a:fld id="{EC13577B-6902-467D-A26C-08A0DD5E4E03}" type="datetimeFigureOut">
-              <a:t>2017/9/1</a:t>
+              <a:t>2017/9/4</a:t>
             </a:fld>
             <a:endParaRPr lang="zh-CN"/>
           </a:p>
@@ -803,7 +805,7 @@
           <a:lstStyle/>
           <a:p>
             <a:fld id="{8BEEBAAA-29B5-4AF5-BC5F-7E580C29002D}" type="datetimeFigureOut">
-              <a:t>2017/9/1</a:t>
+              <a:t>2017/9/4</a:t>
             </a:fld>
             <a:endParaRPr lang="zh-CN"/>
           </a:p>
@@ -1078,7 +1080,7 @@
           <a:lstStyle/>
           <a:p>
             <a:fld id="{8BEEBAAA-29B5-4AF5-BC5F-7E580C29002D}" type="datetimeFigureOut">
-              <a:t>2017/9/1</a:t>
+              <a:t>2017/9/4</a:t>
             </a:fld>
             <a:endParaRPr lang="zh-CN"/>
           </a:p>
@@ -1358,7 +1360,7 @@
           <a:lstStyle/>
           <a:p>
             <a:fld id="{8BEEBAAA-29B5-4AF5-BC5F-7E580C29002D}" type="datetimeFigureOut">
-              <a:t>2017/9/1</a:t>
+              <a:t>2017/9/4</a:t>
             </a:fld>
             <a:endParaRPr lang="zh-CN"/>
           </a:p>
@@ -1717,7 +1719,7 @@
           <a:lstStyle/>
           <a:p>
             <a:fld id="{8BEEBAAA-29B5-4AF5-BC5F-7E580C29002D}" type="datetimeFigureOut">
-              <a:t>2017/9/1</a:t>
+              <a:t>2017/9/4</a:t>
             </a:fld>
             <a:endParaRPr lang="zh-CN"/>
           </a:p>
@@ -1969,7 +1971,7 @@
           <a:lstStyle/>
           <a:p>
             <a:fld id="{8BEEBAAA-29B5-4AF5-BC5F-7E580C29002D}" type="datetimeFigureOut">
-              <a:t>2017/9/1</a:t>
+              <a:t>2017/9/4</a:t>
             </a:fld>
             <a:endParaRPr lang="zh-CN"/>
           </a:p>
@@ -2443,7 +2445,7 @@
           <a:lstStyle/>
           <a:p>
             <a:fld id="{8BEEBAAA-29B5-4AF5-BC5F-7E580C29002D}" type="datetimeFigureOut">
-              <a:t>2017/9/1</a:t>
+              <a:t>2017/9/4</a:t>
             </a:fld>
             <a:endParaRPr lang="zh-CN"/>
           </a:p>
@@ -3093,7 +3095,7 @@
           <a:lstStyle/>
           <a:p>
             <a:fld id="{8BEEBAAA-29B5-4AF5-BC5F-7E580C29002D}" type="datetimeFigureOut">
-              <a:t>2017/9/1</a:t>
+              <a:t>2017/9/4</a:t>
             </a:fld>
             <a:endParaRPr lang="zh-CN"/>
           </a:p>
@@ -3323,7 +3325,7 @@
           <a:lstStyle/>
           <a:p>
             <a:fld id="{8BEEBAAA-29B5-4AF5-BC5F-7E580C29002D}" type="datetimeFigureOut">
-              <a:t>2017/9/1</a:t>
+              <a:t>2017/9/4</a:t>
             </a:fld>
             <a:endParaRPr lang="zh-CN"/>
           </a:p>
@@ -3462,7 +3464,7 @@
           <a:lstStyle/>
           <a:p>
             <a:fld id="{8BEEBAAA-29B5-4AF5-BC5F-7E580C29002D}" type="datetimeFigureOut">
-              <a:t>2017/9/1</a:t>
+              <a:t>2017/9/4</a:t>
             </a:fld>
             <a:endParaRPr lang="zh-CN"/>
           </a:p>
@@ -3797,7 +3799,7 @@
           <a:lstStyle/>
           <a:p>
             <a:fld id="{8BEEBAAA-29B5-4AF5-BC5F-7E580C29002D}" type="datetimeFigureOut">
-              <a:t>2017/9/1</a:t>
+              <a:t>2017/9/4</a:t>
             </a:fld>
             <a:endParaRPr lang="zh-CN"/>
           </a:p>
@@ -4052,7 +4054,7 @@
           <a:lstStyle/>
           <a:p>
             <a:fld id="{8BEEBAAA-29B5-4AF5-BC5F-7E580C29002D}" type="datetimeFigureOut">
-              <a:t>2017/9/1</a:t>
+              <a:t>2017/9/4</a:t>
             </a:fld>
             <a:endParaRPr lang="zh-CN"/>
           </a:p>
@@ -4265,7 +4267,7 @@
             <a:fld id="{8BEEBAAA-29B5-4AF5-BC5F-7E580C29002D}" type="datetimeFigureOut">
               <a:rPr lang="en-US" altLang="zh-CN" smtClean="0"/>
               <a:pPr/>
-              <a:t>9/1/2017</a:t>
+              <a:t>9/4/2017</a:t>
             </a:fld>
             <a:endParaRPr lang="zh-CN" altLang="en-US"/>
           </a:p>
@@ -5494,6 +5496,384 @@
     <p:extLst>
       <p:ext uri="{BB962C8B-B14F-4D97-AF65-F5344CB8AC3E}">
         <p14:creationId xmlns:p14="http://schemas.microsoft.com/office/powerpoint/2010/main" val="3795356720"/>
+      </p:ext>
+    </p:extLst>
+  </p:cSld>
+  <p:clrMapOvr>
+    <a:masterClrMapping/>
+  </p:clrMapOvr>
+</p:sld>
+</file>
+
+<file path=ppt/slides/slide14.xml><?xml version="1.0" encoding="utf-8"?>
+<p:sld xmlns:a="http://schemas.openxmlformats.org/drawingml/2006/main" xmlns:r="http://schemas.openxmlformats.org/officeDocument/2006/relationships" xmlns:p="http://schemas.openxmlformats.org/presentationml/2006/main">
+  <p:cSld>
+    <p:spTree>
+      <p:nvGrpSpPr>
+        <p:cNvPr id="1" name=""/>
+        <p:cNvGrpSpPr/>
+        <p:nvPr/>
+      </p:nvGrpSpPr>
+      <p:grpSpPr>
+        <a:xfrm>
+          <a:off x="0" y="0"/>
+          <a:ext cx="0" cy="0"/>
+          <a:chOff x="0" y="0"/>
+          <a:chExt cx="0" cy="0"/>
+        </a:xfrm>
+      </p:grpSpPr>
+      <p:sp>
+        <p:nvSpPr>
+          <p:cNvPr id="2" name="标题 1"/>
+          <p:cNvSpPr>
+            <a:spLocks noGrp="1"/>
+          </p:cNvSpPr>
+          <p:nvPr>
+            <p:ph type="title"/>
+          </p:nvPr>
+        </p:nvSpPr>
+        <p:spPr/>
+        <p:txBody>
+          <a:bodyPr/>
+          <a:lstStyle/>
+          <a:p>
+            <a:r>
+              <a:rPr lang="zh-CN" altLang="en-US" dirty="0" smtClean="0"/>
+              <a:t>数据的状态</a:t>
+            </a:r>
+            <a:endParaRPr lang="zh-CN" altLang="en-US" dirty="0"/>
+          </a:p>
+        </p:txBody>
+      </p:sp>
+      <p:sp>
+        <p:nvSpPr>
+          <p:cNvPr id="4" name="椭圆 3"/>
+          <p:cNvSpPr/>
+          <p:nvPr/>
+        </p:nvSpPr>
+        <p:spPr>
+          <a:xfrm>
+            <a:off x="7277418" y="2525446"/>
+            <a:ext cx="2743200" cy="1717288"/>
+          </a:xfrm>
+          <a:prstGeom prst="ellipse">
+            <a:avLst/>
+          </a:prstGeom>
+          <a:noFill/>
+        </p:spPr>
+        <p:style>
+          <a:lnRef idx="2">
+            <a:schemeClr val="accent1">
+              <a:shade val="50000"/>
+            </a:schemeClr>
+          </a:lnRef>
+          <a:fillRef idx="1">
+            <a:schemeClr val="accent1"/>
+          </a:fillRef>
+          <a:effectRef idx="0">
+            <a:schemeClr val="accent1"/>
+          </a:effectRef>
+          <a:fontRef idx="minor">
+            <a:schemeClr val="lt1"/>
+          </a:fontRef>
+        </p:style>
+        <p:txBody>
+          <a:bodyPr rtlCol="0" anchor="ctr"/>
+          <a:lstStyle/>
+          <a:p>
+            <a:pPr algn="ctr"/>
+            <a:r>
+              <a:rPr lang="zh-CN" altLang="en-US" dirty="0">
+                <a:solidFill>
+                  <a:schemeClr val="tx1"/>
+                </a:solidFill>
+              </a:rPr>
+              <a:t>归档</a:t>
+            </a:r>
+            <a:r>
+              <a:rPr lang="zh-CN" altLang="en-US" dirty="0" smtClean="0">
+                <a:solidFill>
+                  <a:schemeClr val="tx1"/>
+                </a:solidFill>
+              </a:rPr>
+              <a:t>态</a:t>
+            </a:r>
+            <a:endParaRPr lang="zh-CN" altLang="en-US" dirty="0">
+              <a:solidFill>
+                <a:schemeClr val="tx1"/>
+              </a:solidFill>
+            </a:endParaRPr>
+          </a:p>
+        </p:txBody>
+      </p:sp>
+      <p:sp>
+        <p:nvSpPr>
+          <p:cNvPr id="5" name="椭圆 4"/>
+          <p:cNvSpPr/>
+          <p:nvPr/>
+        </p:nvSpPr>
+        <p:spPr>
+          <a:xfrm>
+            <a:off x="1452099" y="2525446"/>
+            <a:ext cx="2743200" cy="1717288"/>
+          </a:xfrm>
+          <a:prstGeom prst="ellipse">
+            <a:avLst/>
+          </a:prstGeom>
+          <a:noFill/>
+        </p:spPr>
+        <p:style>
+          <a:lnRef idx="2">
+            <a:schemeClr val="accent1">
+              <a:shade val="50000"/>
+            </a:schemeClr>
+          </a:lnRef>
+          <a:fillRef idx="1">
+            <a:schemeClr val="accent1"/>
+          </a:fillRef>
+          <a:effectRef idx="0">
+            <a:schemeClr val="accent1"/>
+          </a:effectRef>
+          <a:fontRef idx="minor">
+            <a:schemeClr val="lt1"/>
+          </a:fontRef>
+        </p:style>
+        <p:txBody>
+          <a:bodyPr rtlCol="0" anchor="ctr"/>
+          <a:lstStyle/>
+          <a:p>
+            <a:pPr algn="ctr"/>
+            <a:r>
+              <a:rPr lang="zh-CN" altLang="en-US" dirty="0" smtClean="0">
+                <a:solidFill>
+                  <a:schemeClr val="tx1"/>
+                </a:solidFill>
+              </a:rPr>
+              <a:t>即时态</a:t>
+            </a:r>
+            <a:endParaRPr lang="zh-CN" altLang="en-US" dirty="0">
+              <a:solidFill>
+                <a:schemeClr val="tx1"/>
+              </a:solidFill>
+            </a:endParaRPr>
+          </a:p>
+        </p:txBody>
+      </p:sp>
+      <p:cxnSp>
+        <p:nvCxnSpPr>
+          <p:cNvPr id="7" name="直接箭头连接符 6"/>
+          <p:cNvCxnSpPr>
+            <a:stCxn id="5" idx="6"/>
+            <a:endCxn id="4" idx="2"/>
+          </p:cNvCxnSpPr>
+          <p:nvPr/>
+        </p:nvCxnSpPr>
+        <p:spPr>
+          <a:xfrm>
+            <a:off x="4195299" y="3384090"/>
+            <a:ext cx="3082119" cy="0"/>
+          </a:xfrm>
+          <a:prstGeom prst="straightConnector1">
+            <a:avLst/>
+          </a:prstGeom>
+          <a:ln>
+            <a:tailEnd type="triangle"/>
+          </a:ln>
+        </p:spPr>
+        <p:style>
+          <a:lnRef idx="1">
+            <a:schemeClr val="accent1"/>
+          </a:lnRef>
+          <a:fillRef idx="0">
+            <a:schemeClr val="accent1"/>
+          </a:fillRef>
+          <a:effectRef idx="0">
+            <a:schemeClr val="accent1"/>
+          </a:effectRef>
+          <a:fontRef idx="minor">
+            <a:schemeClr val="tx1"/>
+          </a:fontRef>
+        </p:style>
+      </p:cxnSp>
+      <p:sp>
+        <p:nvSpPr>
+          <p:cNvPr id="8" name="文本框 7"/>
+          <p:cNvSpPr txBox="1"/>
+          <p:nvPr/>
+        </p:nvSpPr>
+        <p:spPr>
+          <a:xfrm>
+            <a:off x="5014819" y="2770102"/>
+            <a:ext cx="986167" cy="369332"/>
+          </a:xfrm>
+          <a:prstGeom prst="rect">
+            <a:avLst/>
+          </a:prstGeom>
+          <a:noFill/>
+        </p:spPr>
+        <p:txBody>
+          <a:bodyPr wrap="none" rtlCol="0">
+            <a:spAutoFit/>
+          </a:bodyPr>
+          <a:lstStyle/>
+          <a:p>
+            <a:r>
+              <a:rPr lang="zh-CN" altLang="en-US" dirty="0" smtClean="0"/>
+              <a:t>业务</a:t>
+            </a:r>
+            <a:r>
+              <a:rPr lang="en-US" altLang="zh-CN" dirty="0" smtClean="0"/>
+              <a:t>API</a:t>
+            </a:r>
+            <a:endParaRPr lang="zh-CN" altLang="en-US" dirty="0"/>
+          </a:p>
+        </p:txBody>
+      </p:sp>
+      <p:sp>
+        <p:nvSpPr>
+          <p:cNvPr id="9" name="文本框 8"/>
+          <p:cNvSpPr txBox="1"/>
+          <p:nvPr/>
+        </p:nvSpPr>
+        <p:spPr>
+          <a:xfrm>
+            <a:off x="1452099" y="4639713"/>
+            <a:ext cx="4108817" cy="923330"/>
+          </a:xfrm>
+          <a:prstGeom prst="rect">
+            <a:avLst/>
+          </a:prstGeom>
+          <a:noFill/>
+        </p:spPr>
+        <p:txBody>
+          <a:bodyPr wrap="none" rtlCol="0">
+            <a:spAutoFit/>
+          </a:bodyPr>
+          <a:lstStyle/>
+          <a:p>
+            <a:r>
+              <a:rPr lang="zh-CN" altLang="en-US" dirty="0" smtClean="0">
+                <a:solidFill>
+                  <a:schemeClr val="bg1">
+                    <a:lumMod val="65000"/>
+                  </a:schemeClr>
+                </a:solidFill>
+              </a:rPr>
+              <a:t>外键，唯一性索引，统一物理数据库；</a:t>
+            </a:r>
+            <a:endParaRPr lang="en-US" altLang="zh-CN" dirty="0" smtClean="0">
+              <a:solidFill>
+                <a:schemeClr val="bg1">
+                  <a:lumMod val="65000"/>
+                </a:schemeClr>
+              </a:solidFill>
+            </a:endParaRPr>
+          </a:p>
+          <a:p>
+            <a:r>
+              <a:rPr lang="zh-CN" altLang="en-US" dirty="0" smtClean="0">
+                <a:solidFill>
+                  <a:schemeClr val="bg1">
+                    <a:lumMod val="65000"/>
+                  </a:schemeClr>
+                </a:solidFill>
+              </a:rPr>
+              <a:t>保证即时业务数据的质量；</a:t>
+            </a:r>
+            <a:endParaRPr lang="en-US" altLang="zh-CN" dirty="0" smtClean="0">
+              <a:solidFill>
+                <a:schemeClr val="bg1">
+                  <a:lumMod val="65000"/>
+                </a:schemeClr>
+              </a:solidFill>
+            </a:endParaRPr>
+          </a:p>
+          <a:p>
+            <a:r>
+              <a:rPr lang="zh-CN" altLang="en-US" dirty="0" smtClean="0">
+                <a:solidFill>
+                  <a:schemeClr val="bg1">
+                    <a:lumMod val="65000"/>
+                  </a:schemeClr>
+                </a:solidFill>
+              </a:rPr>
+              <a:t>防止低质量编码产生的风险；</a:t>
+            </a:r>
+            <a:endParaRPr lang="en-US" altLang="zh-CN" dirty="0" smtClean="0">
+              <a:solidFill>
+                <a:schemeClr val="bg1">
+                  <a:lumMod val="65000"/>
+                </a:schemeClr>
+              </a:solidFill>
+            </a:endParaRPr>
+          </a:p>
+        </p:txBody>
+      </p:sp>
+      <p:sp>
+        <p:nvSpPr>
+          <p:cNvPr id="10" name="文本框 9"/>
+          <p:cNvSpPr txBox="1"/>
+          <p:nvPr/>
+        </p:nvSpPr>
+        <p:spPr>
+          <a:xfrm>
+            <a:off x="7277418" y="4778465"/>
+            <a:ext cx="4339650" cy="646331"/>
+          </a:xfrm>
+          <a:prstGeom prst="rect">
+            <a:avLst/>
+          </a:prstGeom>
+          <a:noFill/>
+        </p:spPr>
+        <p:txBody>
+          <a:bodyPr wrap="none" rtlCol="0">
+            <a:spAutoFit/>
+          </a:bodyPr>
+          <a:lstStyle/>
+          <a:p>
+            <a:r>
+              <a:rPr lang="zh-CN" altLang="en-US" dirty="0" smtClean="0">
+                <a:solidFill>
+                  <a:schemeClr val="bg1">
+                    <a:lumMod val="65000"/>
+                  </a:schemeClr>
+                </a:solidFill>
+              </a:rPr>
+              <a:t>没有外键、没有唯一性索引，可以分库；</a:t>
+            </a:r>
+            <a:endParaRPr lang="en-US" altLang="zh-CN" dirty="0" smtClean="0">
+              <a:solidFill>
+                <a:schemeClr val="bg1">
+                  <a:lumMod val="65000"/>
+                </a:schemeClr>
+              </a:solidFill>
+            </a:endParaRPr>
+          </a:p>
+          <a:p>
+            <a:r>
+              <a:rPr lang="zh-CN" altLang="en-US" dirty="0" smtClean="0">
+                <a:solidFill>
+                  <a:schemeClr val="bg1">
+                    <a:lumMod val="65000"/>
+                  </a:schemeClr>
+                </a:solidFill>
+              </a:rPr>
+              <a:t>保证数据迁移的方便性；</a:t>
+            </a:r>
+            <a:endParaRPr lang="en-US" altLang="zh-CN" dirty="0" smtClean="0">
+              <a:solidFill>
+                <a:schemeClr val="bg1">
+                  <a:lumMod val="65000"/>
+                </a:schemeClr>
+              </a:solidFill>
+            </a:endParaRPr>
+          </a:p>
+        </p:txBody>
+      </p:sp>
+    </p:spTree>
+    <p:extLst>
+      <p:ext uri="{BB962C8B-B14F-4D97-AF65-F5344CB8AC3E}">
+        <p14:creationId xmlns:p14="http://schemas.microsoft.com/office/powerpoint/2010/main" val="518454779"/>
       </p:ext>
     </p:extLst>
   </p:cSld>
